--- a/Pro RPG Arena.pptx
+++ b/Pro RPG Arena.pptx
@@ -22,7 +22,7 @@
   <p:notesSz cx="6858000" cy="9144000"/>
   <p:defaultTextStyle>
     <a:defPPr rtl="0">
-      <a:defRPr lang="ru-ru"/>
+      <a:defRPr lang="ru-RU"/>
     </a:defPPr>
     <a:lvl1pPr marL="0" algn="l" defTabSz="457200" rtl="0" eaLnBrk="1" latinLnBrk="0" hangingPunct="1">
       <a:defRPr sz="1800" kern="1200">
@@ -117,10 +117,10 @@
   </p:defaultTextStyle>
   <p:extLst>
     <p:ext uri="{EFAFB233-063F-42B5-8137-9DF3F51BA10A}">
-      <p15:sldGuideLst xmlns:p15="http://schemas.microsoft.com/office/powerpoint/2012/main"/>
+      <p15:sldGuideLst xmlns:p15="http://schemas.microsoft.com/office/powerpoint/2012/main" xmlns=""/>
     </p:ext>
     <p:ext uri="{2D200454-40CA-4A62-9FC3-DE9A4176ACB9}">
-      <p15:notesGuideLst xmlns:p15="http://schemas.microsoft.com/office/powerpoint/2012/main"/>
+      <p15:notesGuideLst xmlns:p15="http://schemas.microsoft.com/office/powerpoint/2012/main" xmlns=""/>
     </p:ext>
   </p:extLst>
 </p:presentation>
@@ -208,7 +208,8 @@
           <a:p>
             <a:fld id="{38FC145B-6E0C-49C4-BDE7-A4A5CBE4F856}" type="datetime1">
               <a:rPr lang="ru-RU" smtClean="0"/>
-              <a:t>05.02.2020</a:t>
+              <a:pPr/>
+              <a:t>20.02.2020</a:t>
             </a:fld>
             <a:endParaRPr lang="ru-RU" dirty="0"/>
           </a:p>
@@ -274,6 +275,7 @@
           <a:p>
             <a:fld id="{657DC2EF-3F72-4895-ADDA-549349D4ABC0}" type="slidenum">
               <a:rPr lang="ru-RU" smtClean="0"/>
+              <a:pPr/>
               <a:t>‹#›</a:t>
             </a:fld>
             <a:endParaRPr lang="ru-RU" dirty="0"/>
@@ -283,7 +285,7 @@
     </p:spTree>
     <p:extLst>
       <p:ext uri="{BB962C8B-B14F-4D97-AF65-F5344CB8AC3E}">
-        <p14:creationId xmlns:p14="http://schemas.microsoft.com/office/powerpoint/2010/main" val="1898413681"/>
+        <p14:creationId xmlns:p14="http://schemas.microsoft.com/office/powerpoint/2010/main" xmlns="" val="1898413681"/>
       </p:ext>
     </p:extLst>
   </p:cSld>
@@ -374,7 +376,7 @@
             <a:fld id="{795767FF-6F6C-4BF3-A95A-BD85E9EA6D4F}" type="datetime1">
               <a:rPr lang="ru-RU" smtClean="0"/>
               <a:pPr/>
-              <a:t>05.02.2020</a:t>
+              <a:t>20.02.2020</a:t>
             </a:fld>
             <a:endParaRPr lang="ru-RU" dirty="0"/>
           </a:p>
@@ -532,6 +534,7 @@
           <a:p>
             <a:fld id="{AB3E0B50-3775-4BB1-BDC4-8FBE2A2F14D3}" type="slidenum">
               <a:rPr lang="ru-RU" noProof="0" smtClean="0"/>
+              <a:pPr/>
               <a:t>‹#›</a:t>
             </a:fld>
             <a:endParaRPr lang="ru-RU" noProof="0" dirty="0"/>
@@ -541,7 +544,7 @@
     </p:spTree>
     <p:extLst>
       <p:ext uri="{BB962C8B-B14F-4D97-AF65-F5344CB8AC3E}">
-        <p14:creationId xmlns:p14="http://schemas.microsoft.com/office/powerpoint/2010/main" val="1783224115"/>
+        <p14:creationId xmlns:p14="http://schemas.microsoft.com/office/powerpoint/2010/main" xmlns="" val="1783224115"/>
       </p:ext>
     </p:extLst>
   </p:cSld>
@@ -706,6 +709,7 @@
           <a:p>
             <a:fld id="{AB3E0B50-3775-4BB1-BDC4-8FBE2A2F14D3}" type="slidenum">
               <a:rPr lang="ru-RU" smtClean="0"/>
+              <a:pPr/>
               <a:t>1</a:t>
             </a:fld>
             <a:endParaRPr lang="ru-RU" dirty="0"/>
@@ -715,7 +719,7 @@
     </p:spTree>
     <p:extLst>
       <p:ext uri="{BB962C8B-B14F-4D97-AF65-F5344CB8AC3E}">
-        <p14:creationId xmlns:p14="http://schemas.microsoft.com/office/powerpoint/2010/main" val="45807367"/>
+        <p14:creationId xmlns:p14="http://schemas.microsoft.com/office/powerpoint/2010/main" xmlns="" val="45807367"/>
       </p:ext>
     </p:extLst>
   </p:cSld>
@@ -820,7 +824,7 @@
           <a:effectLst/>
           <a:extLst>
             <a:ext uri="{91240B29-F687-4f45-9708-019B960494DF}">
-              <a14:hiddenLine xmlns="" xmlns:a14="http://schemas.microsoft.com/office/drawing/2010/main" w="9525">
+              <a14:hiddenLine xmlns:a14="http://schemas.microsoft.com/office/drawing/2010/main" xmlns="" w="9525">
                 <a:solidFill>
                   <a:srgbClr val="000000"/>
                 </a:solidFill>
@@ -1015,7 +1019,8 @@
             <a:pPr rtl="0"/>
             <a:fld id="{4A02DAB0-89CB-4D86-AB0D-82AB01765D8B}" type="datetime1">
               <a:rPr lang="ru-RU" noProof="0" smtClean="0"/>
-              <a:t>05.02.2020</a:t>
+              <a:pPr rtl="0"/>
+              <a:t>20.02.2020</a:t>
             </a:fld>
             <a:endParaRPr lang="ru-RU" noProof="0" dirty="0"/>
           </a:p>
@@ -1059,7 +1064,7 @@
             <a:pPr rtl="0"/>
             <a:fld id="{D57F1E4F-1CFF-5643-939E-217C01CDF565}" type="slidenum">
               <a:rPr lang="ru-RU" noProof="0" smtClean="0"/>
-              <a:pPr/>
+              <a:pPr rtl="0"/>
               <a:t>‹#›</a:t>
             </a:fld>
             <a:endParaRPr lang="ru-RU" noProof="0" dirty="0"/>
@@ -1069,7 +1074,7 @@
     </p:spTree>
     <p:extLst>
       <p:ext uri="{BB962C8B-B14F-4D97-AF65-F5344CB8AC3E}">
-        <p14:creationId xmlns:p14="http://schemas.microsoft.com/office/powerpoint/2010/main" val="3886479706"/>
+        <p14:creationId xmlns:p14="http://schemas.microsoft.com/office/powerpoint/2010/main" xmlns="" val="3886479706"/>
       </p:ext>
     </p:extLst>
   </p:cSld>
@@ -1339,7 +1344,8 @@
             <a:pPr rtl="0"/>
             <a:fld id="{38F10109-5D77-4BC7-B3C1-6C357D0EC6C6}" type="datetime1">
               <a:rPr lang="ru-RU" noProof="0" smtClean="0"/>
-              <a:t>05.02.2020</a:t>
+              <a:pPr rtl="0"/>
+              <a:t>20.02.2020</a:t>
             </a:fld>
             <a:endParaRPr lang="ru-RU" noProof="0" dirty="0"/>
           </a:p>
@@ -1383,7 +1389,7 @@
             <a:pPr rtl="0"/>
             <a:fld id="{D57F1E4F-1CFF-5643-939E-217C01CDF565}" type="slidenum">
               <a:rPr lang="ru-RU" noProof="0" smtClean="0"/>
-              <a:pPr/>
+              <a:pPr rtl="0"/>
               <a:t>‹#›</a:t>
             </a:fld>
             <a:endParaRPr lang="ru-RU" noProof="0" dirty="0"/>
@@ -1393,7 +1399,7 @@
     </p:spTree>
     <p:extLst>
       <p:ext uri="{BB962C8B-B14F-4D97-AF65-F5344CB8AC3E}">
-        <p14:creationId xmlns:p14="http://schemas.microsoft.com/office/powerpoint/2010/main" val="3363837736"/>
+        <p14:creationId xmlns:p14="http://schemas.microsoft.com/office/powerpoint/2010/main" xmlns="" val="3363837736"/>
       </p:ext>
     </p:extLst>
   </p:cSld>
@@ -1832,7 +1838,8 @@
             <a:pPr rtl="0"/>
             <a:fld id="{6201BD55-1E8E-4FF1-B8C7-E7D9F314693A}" type="datetime1">
               <a:rPr lang="ru-RU" noProof="0" smtClean="0"/>
-              <a:t>05.02.2020</a:t>
+              <a:pPr rtl="0"/>
+              <a:t>20.02.2020</a:t>
             </a:fld>
             <a:endParaRPr lang="ru-RU" noProof="0" dirty="0"/>
           </a:p>
@@ -1876,7 +1883,7 @@
             <a:pPr rtl="0"/>
             <a:fld id="{D57F1E4F-1CFF-5643-939E-217C01CDF565}" type="slidenum">
               <a:rPr lang="ru-RU" noProof="0" smtClean="0"/>
-              <a:pPr/>
+              <a:pPr rtl="0"/>
               <a:t>‹#›</a:t>
             </a:fld>
             <a:endParaRPr lang="ru-RU" noProof="0" dirty="0"/>
@@ -1886,7 +1893,7 @@
     </p:spTree>
     <p:extLst>
       <p:ext uri="{BB962C8B-B14F-4D97-AF65-F5344CB8AC3E}">
-        <p14:creationId xmlns:p14="http://schemas.microsoft.com/office/powerpoint/2010/main" val="4066776288"/>
+        <p14:creationId xmlns:p14="http://schemas.microsoft.com/office/powerpoint/2010/main" xmlns="" val="4066776288"/>
       </p:ext>
     </p:extLst>
   </p:cSld>
@@ -2206,7 +2213,8 @@
             <a:pPr rtl="0"/>
             <a:fld id="{4201764C-E48B-4D94-AE70-075A9C93A684}" type="datetime1">
               <a:rPr lang="ru-RU" noProof="0" smtClean="0"/>
-              <a:t>05.02.2020</a:t>
+              <a:pPr rtl="0"/>
+              <a:t>20.02.2020</a:t>
             </a:fld>
             <a:endParaRPr lang="ru-RU" noProof="0" dirty="0"/>
           </a:p>
@@ -2250,7 +2258,7 @@
             <a:pPr rtl="0"/>
             <a:fld id="{D57F1E4F-1CFF-5643-939E-217C01CDF565}" type="slidenum">
               <a:rPr lang="ru-RU" noProof="0" smtClean="0"/>
-              <a:pPr/>
+              <a:pPr rtl="0"/>
               <a:t>‹#›</a:t>
             </a:fld>
             <a:endParaRPr lang="ru-RU" noProof="0" dirty="0"/>
@@ -2260,7 +2268,7 @@
     </p:spTree>
     <p:extLst>
       <p:ext uri="{BB962C8B-B14F-4D97-AF65-F5344CB8AC3E}">
-        <p14:creationId xmlns:p14="http://schemas.microsoft.com/office/powerpoint/2010/main" val="4197967691"/>
+        <p14:creationId xmlns:p14="http://schemas.microsoft.com/office/powerpoint/2010/main" xmlns="" val="4197967691"/>
       </p:ext>
     </p:extLst>
   </p:cSld>
@@ -2364,7 +2372,7 @@
           <a:ln/>
           <a:extLst>
             <a:ext uri="{91240B29-F687-4f45-9708-019B960494DF}">
-              <a14:hiddenLine xmlns="" xmlns:a14="http://schemas.microsoft.com/office/drawing/2010/main" w="9525">
+              <a14:hiddenLine xmlns:a14="http://schemas.microsoft.com/office/drawing/2010/main" xmlns="" w="9525">
                 <a:solidFill>
                   <a:srgbClr val="000000"/>
                 </a:solidFill>
@@ -2484,7 +2492,8 @@
             <a:pPr rtl="0"/>
             <a:fld id="{3488AE98-0065-4AC3-ACC4-6F9B30FF41A4}" type="datetime1">
               <a:rPr lang="ru-RU" noProof="0" smtClean="0"/>
-              <a:t>05.02.2020</a:t>
+              <a:pPr rtl="0"/>
+              <a:t>20.02.2020</a:t>
             </a:fld>
             <a:endParaRPr lang="ru-RU" noProof="0" dirty="0"/>
           </a:p>
@@ -2528,7 +2537,7 @@
             <a:pPr rtl="0"/>
             <a:fld id="{D57F1E4F-1CFF-5643-939E-217C01CDF565}" type="slidenum">
               <a:rPr lang="ru-RU" noProof="0" smtClean="0"/>
-              <a:pPr/>
+              <a:pPr rtl="0"/>
               <a:t>‹#›</a:t>
             </a:fld>
             <a:endParaRPr lang="ru-RU" noProof="0" dirty="0"/>
@@ -2538,7 +2547,7 @@
     </p:spTree>
     <p:extLst>
       <p:ext uri="{BB962C8B-B14F-4D97-AF65-F5344CB8AC3E}">
-        <p14:creationId xmlns:p14="http://schemas.microsoft.com/office/powerpoint/2010/main" val="513690062"/>
+        <p14:creationId xmlns:p14="http://schemas.microsoft.com/office/powerpoint/2010/main" xmlns="" val="513690062"/>
       </p:ext>
     </p:extLst>
   </p:cSld>
@@ -2644,7 +2653,7 @@
           <a:ln/>
           <a:extLst>
             <a:ext uri="{91240B29-F687-4f45-9708-019B960494DF}">
-              <a14:hiddenLine xmlns="" xmlns:a14="http://schemas.microsoft.com/office/drawing/2010/main" w="9525">
+              <a14:hiddenLine xmlns:a14="http://schemas.microsoft.com/office/drawing/2010/main" xmlns="" w="9525">
                 <a:solidFill>
                   <a:srgbClr val="000000"/>
                 </a:solidFill>
@@ -2774,7 +2783,8 @@
             <a:pPr rtl="0"/>
             <a:fld id="{A1222DD4-86D2-4BEC-B8CE-0D1AB90655E2}" type="datetime1">
               <a:rPr lang="ru-RU" noProof="0" smtClean="0"/>
-              <a:t>05.02.2020</a:t>
+              <a:pPr rtl="0"/>
+              <a:t>20.02.2020</a:t>
             </a:fld>
             <a:endParaRPr lang="ru-RU" noProof="0" dirty="0"/>
           </a:p>
@@ -2818,7 +2828,7 @@
             <a:pPr rtl="0"/>
             <a:fld id="{D57F1E4F-1CFF-5643-939E-217C01CDF565}" type="slidenum">
               <a:rPr lang="ru-RU" noProof="0" smtClean="0"/>
-              <a:pPr/>
+              <a:pPr rtl="0"/>
               <a:t>‹#›</a:t>
             </a:fld>
             <a:endParaRPr lang="ru-RU" noProof="0" dirty="0"/>
@@ -2828,7 +2838,7 @@
     </p:spTree>
     <p:extLst>
       <p:ext uri="{BB962C8B-B14F-4D97-AF65-F5344CB8AC3E}">
-        <p14:creationId xmlns:p14="http://schemas.microsoft.com/office/powerpoint/2010/main" val="370591729"/>
+        <p14:creationId xmlns:p14="http://schemas.microsoft.com/office/powerpoint/2010/main" xmlns="" val="370591729"/>
       </p:ext>
     </p:extLst>
   </p:cSld>
@@ -2932,7 +2942,7 @@
           <a:ln/>
           <a:extLst>
             <a:ext uri="{91240B29-F687-4f45-9708-019B960494DF}">
-              <a14:hiddenLine xmlns="" xmlns:a14="http://schemas.microsoft.com/office/drawing/2010/main" w="9525">
+              <a14:hiddenLine xmlns:a14="http://schemas.microsoft.com/office/drawing/2010/main" xmlns="" w="9525">
                 <a:solidFill>
                   <a:srgbClr val="000000"/>
                 </a:solidFill>
@@ -3062,7 +3072,8 @@
             <a:pPr rtl="0"/>
             <a:fld id="{ADD35E00-37A5-4ACA-8897-5C2383E38C36}" type="datetime1">
               <a:rPr lang="ru-RU" noProof="0" smtClean="0"/>
-              <a:t>05.02.2020</a:t>
+              <a:pPr rtl="0"/>
+              <a:t>20.02.2020</a:t>
             </a:fld>
             <a:endParaRPr lang="ru-RU" noProof="0" dirty="0"/>
           </a:p>
@@ -3106,7 +3117,7 @@
             <a:pPr rtl="0"/>
             <a:fld id="{D57F1E4F-1CFF-5643-939E-217C01CDF565}" type="slidenum">
               <a:rPr lang="ru-RU" noProof="0" smtClean="0"/>
-              <a:pPr/>
+              <a:pPr rtl="0"/>
               <a:t>‹#›</a:t>
             </a:fld>
             <a:endParaRPr lang="ru-RU" noProof="0" dirty="0"/>
@@ -3116,7 +3127,7 @@
     </p:spTree>
     <p:extLst>
       <p:ext uri="{BB962C8B-B14F-4D97-AF65-F5344CB8AC3E}">
-        <p14:creationId xmlns:p14="http://schemas.microsoft.com/office/powerpoint/2010/main" val="1789722453"/>
+        <p14:creationId xmlns:p14="http://schemas.microsoft.com/office/powerpoint/2010/main" xmlns="" val="1789722453"/>
       </p:ext>
     </p:extLst>
   </p:cSld>
@@ -3410,7 +3421,8 @@
             <a:pPr rtl="0"/>
             <a:fld id="{AC7E479E-710A-47A8-8314-E85AE652CB80}" type="datetime1">
               <a:rPr lang="ru-RU" noProof="0" smtClean="0"/>
-              <a:t>05.02.2020</a:t>
+              <a:pPr rtl="0"/>
+              <a:t>20.02.2020</a:t>
             </a:fld>
             <a:endParaRPr lang="ru-RU" noProof="0" dirty="0"/>
           </a:p>
@@ -3454,7 +3466,7 @@
             <a:pPr rtl="0"/>
             <a:fld id="{D57F1E4F-1CFF-5643-939E-217C01CDF565}" type="slidenum">
               <a:rPr lang="ru-RU" noProof="0" smtClean="0"/>
-              <a:pPr/>
+              <a:pPr rtl="0"/>
               <a:t>‹#›</a:t>
             </a:fld>
             <a:endParaRPr lang="ru-RU" noProof="0" dirty="0"/>
@@ -3464,7 +3476,7 @@
     </p:spTree>
     <p:extLst>
       <p:ext uri="{BB962C8B-B14F-4D97-AF65-F5344CB8AC3E}">
-        <p14:creationId xmlns:p14="http://schemas.microsoft.com/office/powerpoint/2010/main" val="3606277205"/>
+        <p14:creationId xmlns:p14="http://schemas.microsoft.com/office/powerpoint/2010/main" xmlns="" val="3606277205"/>
       </p:ext>
     </p:extLst>
   </p:cSld>
@@ -3568,7 +3580,7 @@
           <a:ln/>
           <a:extLst>
             <a:ext uri="{91240B29-F687-4f45-9708-019B960494DF}">
-              <a14:hiddenLine xmlns="" xmlns:a14="http://schemas.microsoft.com/office/drawing/2010/main" w="9525">
+              <a14:hiddenLine xmlns:a14="http://schemas.microsoft.com/office/drawing/2010/main" xmlns="" w="9525">
                 <a:solidFill>
                   <a:srgbClr val="000000"/>
                 </a:solidFill>
@@ -3754,7 +3766,8 @@
             <a:pPr rtl="0"/>
             <a:fld id="{0A84B524-AF16-4360-9E48-BD4C9F36ECC7}" type="datetime1">
               <a:rPr lang="ru-RU" noProof="0" smtClean="0"/>
-              <a:t>05.02.2020</a:t>
+              <a:pPr rtl="0"/>
+              <a:t>20.02.2020</a:t>
             </a:fld>
             <a:endParaRPr lang="ru-RU" noProof="0" dirty="0"/>
           </a:p>
@@ -3798,7 +3811,7 @@
             <a:pPr rtl="0"/>
             <a:fld id="{D57F1E4F-1CFF-5643-939E-217C01CDF565}" type="slidenum">
               <a:rPr lang="ru-RU" noProof="0" smtClean="0"/>
-              <a:pPr/>
+              <a:pPr rtl="0"/>
               <a:t>‹#›</a:t>
             </a:fld>
             <a:endParaRPr lang="ru-RU" noProof="0" dirty="0"/>
@@ -3808,7 +3821,7 @@
     </p:spTree>
     <p:extLst>
       <p:ext uri="{BB962C8B-B14F-4D97-AF65-F5344CB8AC3E}">
-        <p14:creationId xmlns:p14="http://schemas.microsoft.com/office/powerpoint/2010/main" val="3646789948"/>
+        <p14:creationId xmlns:p14="http://schemas.microsoft.com/office/powerpoint/2010/main" xmlns="" val="3646789948"/>
       </p:ext>
     </p:extLst>
   </p:cSld>
@@ -3912,7 +3925,7 @@
           <a:ln/>
           <a:extLst>
             <a:ext uri="{91240B29-F687-4f45-9708-019B960494DF}">
-              <a14:hiddenLine xmlns="" xmlns:a14="http://schemas.microsoft.com/office/drawing/2010/main" w="9525">
+              <a14:hiddenLine xmlns:a14="http://schemas.microsoft.com/office/drawing/2010/main" xmlns="" w="9525">
                 <a:solidFill>
                   <a:srgbClr val="000000"/>
                 </a:solidFill>
@@ -4236,7 +4249,8 @@
             <a:pPr rtl="0"/>
             <a:fld id="{C9A2393C-7288-4C62-BFEF-AA4A805EC109}" type="datetime1">
               <a:rPr lang="ru-RU" noProof="0" smtClean="0"/>
-              <a:t>05.02.2020</a:t>
+              <a:pPr rtl="0"/>
+              <a:t>20.02.2020</a:t>
             </a:fld>
             <a:endParaRPr lang="ru-RU" noProof="0" dirty="0"/>
           </a:p>
@@ -4280,7 +4294,7 @@
             <a:pPr rtl="0"/>
             <a:fld id="{D57F1E4F-1CFF-5643-939E-217C01CDF565}" type="slidenum">
               <a:rPr lang="ru-RU" noProof="0" smtClean="0"/>
-              <a:pPr/>
+              <a:pPr rtl="0"/>
               <a:t>‹#›</a:t>
             </a:fld>
             <a:endParaRPr lang="ru-RU" noProof="0" dirty="0"/>
@@ -4290,7 +4304,7 @@
     </p:spTree>
     <p:extLst>
       <p:ext uri="{BB962C8B-B14F-4D97-AF65-F5344CB8AC3E}">
-        <p14:creationId xmlns:p14="http://schemas.microsoft.com/office/powerpoint/2010/main" val="940486915"/>
+        <p14:creationId xmlns:p14="http://schemas.microsoft.com/office/powerpoint/2010/main" xmlns="" val="940486915"/>
       </p:ext>
     </p:extLst>
   </p:cSld>
@@ -4394,7 +4408,7 @@
           <a:ln/>
           <a:extLst>
             <a:ext uri="{91240B29-F687-4f45-9708-019B960494DF}">
-              <a14:hiddenLine xmlns="" xmlns:a14="http://schemas.microsoft.com/office/drawing/2010/main" w="9525">
+              <a14:hiddenLine xmlns:a14="http://schemas.microsoft.com/office/drawing/2010/main" xmlns="" w="9525">
                 <a:solidFill>
                   <a:srgbClr val="000000"/>
                 </a:solidFill>
@@ -4462,7 +4476,8 @@
             <a:pPr rtl="0"/>
             <a:fld id="{5ED741C8-2B8E-4E22-B7FF-59468779F37E}" type="datetime1">
               <a:rPr lang="ru-RU" noProof="0" smtClean="0"/>
-              <a:t>05.02.2020</a:t>
+              <a:pPr rtl="0"/>
+              <a:t>20.02.2020</a:t>
             </a:fld>
             <a:endParaRPr lang="ru-RU" noProof="0" dirty="0"/>
           </a:p>
@@ -4506,7 +4521,7 @@
             <a:pPr rtl="0"/>
             <a:fld id="{D57F1E4F-1CFF-5643-939E-217C01CDF565}" type="slidenum">
               <a:rPr lang="ru-RU" noProof="0" smtClean="0"/>
-              <a:pPr/>
+              <a:pPr rtl="0"/>
               <a:t>‹#›</a:t>
             </a:fld>
             <a:endParaRPr lang="ru-RU" noProof="0" dirty="0"/>
@@ -4516,7 +4531,7 @@
     </p:spTree>
     <p:extLst>
       <p:ext uri="{BB962C8B-B14F-4D97-AF65-F5344CB8AC3E}">
-        <p14:creationId xmlns:p14="http://schemas.microsoft.com/office/powerpoint/2010/main" val="2020790806"/>
+        <p14:creationId xmlns:p14="http://schemas.microsoft.com/office/powerpoint/2010/main" xmlns="" val="2020790806"/>
       </p:ext>
     </p:extLst>
   </p:cSld>
@@ -4561,7 +4576,8 @@
             <a:pPr rtl="0"/>
             <a:fld id="{5BD77619-5978-41B2-B1F7-95FB5ED65D8F}" type="datetime1">
               <a:rPr lang="ru-RU" noProof="0" smtClean="0"/>
-              <a:t>05.02.2020</a:t>
+              <a:pPr rtl="0"/>
+              <a:t>20.02.2020</a:t>
             </a:fld>
             <a:endParaRPr lang="ru-RU" noProof="0" dirty="0"/>
           </a:p>
@@ -4605,7 +4621,7 @@
             <a:pPr rtl="0"/>
             <a:fld id="{D57F1E4F-1CFF-5643-939E-217C01CDF565}" type="slidenum">
               <a:rPr lang="ru-RU" noProof="0" smtClean="0"/>
-              <a:pPr/>
+              <a:pPr rtl="0"/>
               <a:t>‹#›</a:t>
             </a:fld>
             <a:endParaRPr lang="ru-RU" noProof="0" dirty="0"/>
@@ -4615,7 +4631,7 @@
     </p:spTree>
     <p:extLst>
       <p:ext uri="{BB962C8B-B14F-4D97-AF65-F5344CB8AC3E}">
-        <p14:creationId xmlns:p14="http://schemas.microsoft.com/office/powerpoint/2010/main" val="2099988986"/>
+        <p14:creationId xmlns:p14="http://schemas.microsoft.com/office/powerpoint/2010/main" xmlns="" val="2099988986"/>
       </p:ext>
     </p:extLst>
   </p:cSld>
@@ -4832,7 +4848,7 @@
           <a:ln/>
           <a:extLst>
             <a:ext uri="{91240B29-F687-4f45-9708-019B960494DF}">
-              <a14:hiddenLine xmlns="" xmlns:a14="http://schemas.microsoft.com/office/drawing/2010/main" w="9525">
+              <a14:hiddenLine xmlns:a14="http://schemas.microsoft.com/office/drawing/2010/main" xmlns="" w="9525">
                 <a:solidFill>
                   <a:srgbClr val="000000"/>
                 </a:solidFill>
@@ -5033,7 +5049,8 @@
             <a:pPr rtl="0"/>
             <a:fld id="{6998D957-1CDD-434C-B4B6-AC0234BE7DB2}" type="datetime1">
               <a:rPr lang="ru-RU" noProof="0" smtClean="0"/>
-              <a:t>05.02.2020</a:t>
+              <a:pPr rtl="0"/>
+              <a:t>20.02.2020</a:t>
             </a:fld>
             <a:endParaRPr lang="ru-RU" noProof="0" dirty="0"/>
           </a:p>
@@ -5077,7 +5094,7 @@
             <a:pPr rtl="0"/>
             <a:fld id="{D57F1E4F-1CFF-5643-939E-217C01CDF565}" type="slidenum">
               <a:rPr lang="ru-RU" noProof="0" smtClean="0"/>
-              <a:pPr/>
+              <a:pPr rtl="0"/>
               <a:t>‹#›</a:t>
             </a:fld>
             <a:endParaRPr lang="ru-RU" noProof="0" dirty="0"/>
@@ -5087,7 +5104,7 @@
     </p:spTree>
     <p:extLst>
       <p:ext uri="{BB962C8B-B14F-4D97-AF65-F5344CB8AC3E}">
-        <p14:creationId xmlns:p14="http://schemas.microsoft.com/office/powerpoint/2010/main" val="911703311"/>
+        <p14:creationId xmlns:p14="http://schemas.microsoft.com/office/powerpoint/2010/main" xmlns="" val="911703311"/>
       </p:ext>
     </p:extLst>
   </p:cSld>
@@ -5352,7 +5369,8 @@
             <a:pPr rtl="0"/>
             <a:fld id="{8E103758-1FA0-4733-971B-FEF61DC94609}" type="datetime1">
               <a:rPr lang="ru-RU" noProof="0" smtClean="0"/>
-              <a:t>05.02.2020</a:t>
+              <a:pPr rtl="0"/>
+              <a:t>20.02.2020</a:t>
             </a:fld>
             <a:endParaRPr lang="ru-RU" noProof="0" dirty="0"/>
           </a:p>
@@ -5406,7 +5424,7 @@
             <a:pPr rtl="0"/>
             <a:fld id="{D57F1E4F-1CFF-5643-939E-217C01CDF565}" type="slidenum">
               <a:rPr lang="ru-RU" noProof="0" smtClean="0"/>
-              <a:pPr/>
+              <a:pPr rtl="0"/>
               <a:t>‹#›</a:t>
             </a:fld>
             <a:endParaRPr lang="ru-RU" noProof="0" dirty="0"/>
@@ -5416,7 +5434,7 @@
     </p:spTree>
     <p:extLst>
       <p:ext uri="{BB962C8B-B14F-4D97-AF65-F5344CB8AC3E}">
-        <p14:creationId xmlns:p14="http://schemas.microsoft.com/office/powerpoint/2010/main" val="1553745327"/>
+        <p14:creationId xmlns:p14="http://schemas.microsoft.com/office/powerpoint/2010/main" xmlns="" val="1553745327"/>
       </p:ext>
     </p:extLst>
   </p:cSld>
@@ -5626,7 +5644,8 @@
             <a:pPr rtl="0"/>
             <a:fld id="{9F917ED8-EC0E-419B-918F-315AEF0DB06A}" type="datetime1">
               <a:rPr lang="ru-RU" noProof="0" smtClean="0"/>
-              <a:t>05.02.2020</a:t>
+              <a:pPr rtl="0"/>
+              <a:t>20.02.2020</a:t>
             </a:fld>
             <a:endParaRPr lang="ru-RU" noProof="0" dirty="0"/>
           </a:p>
@@ -5666,7 +5685,7 @@
             <a:pPr rtl="0"/>
             <a:fld id="{D57F1E4F-1CFF-5643-939E-217C01CDF565}" type="slidenum">
               <a:rPr lang="ru-RU" noProof="0" smtClean="0"/>
-              <a:pPr/>
+              <a:pPr rtl="0"/>
               <a:t>‹#›</a:t>
             </a:fld>
             <a:endParaRPr lang="ru-RU" noProof="0" dirty="0"/>
@@ -5676,7 +5695,7 @@
     </p:spTree>
     <p:extLst>
       <p:ext uri="{BB962C8B-B14F-4D97-AF65-F5344CB8AC3E}">
-        <p14:creationId xmlns:p14="http://schemas.microsoft.com/office/powerpoint/2010/main" val="1291268597"/>
+        <p14:creationId xmlns:p14="http://schemas.microsoft.com/office/powerpoint/2010/main" xmlns="" val="1291268597"/>
       </p:ext>
     </p:extLst>
   </p:cSld>
@@ -6091,10 +6110,10 @@
           <p:cNvPr id="10" name="Rectangle 9">
             <a:extLst>
               <a:ext uri="{FF2B5EF4-FFF2-40B4-BE49-F238E27FC236}">
-                <a16:creationId xmlns:a16="http://schemas.microsoft.com/office/drawing/2014/main" id="{54047A07-72EC-41BC-A55F-C264F639FB20}"/>
+                <a16:creationId xmlns:a16="http://schemas.microsoft.com/office/drawing/2014/main" xmlns="" id="{54047A07-72EC-41BC-A55F-C264F639FB20}"/>
               </a:ext>
               <a:ext uri="{C183D7F6-B498-43B3-948B-1728B52AA6E4}">
-                <adec:decorative xmlns:adec="http://schemas.microsoft.com/office/drawing/2017/decorative" val="1"/>
+                <adec:decorative xmlns:adec="http://schemas.microsoft.com/office/drawing/2017/decorative" xmlns="" val="1"/>
               </a:ext>
             </a:extLst>
           </p:cNvPr>
@@ -6104,7 +6123,7 @@
           <p:nvPr>
             <p:extLst>
               <p:ext uri="{386F3935-93C4-4BCD-93E2-E3B085C9AB24}">
-                <p16:designElem xmlns:p16="http://schemas.microsoft.com/office/powerpoint/2015/main" val="1"/>
+                <p16:designElem xmlns:p16="http://schemas.microsoft.com/office/powerpoint/2015/main" xmlns="" val="1"/>
               </p:ext>
             </p:extLst>
           </p:nvPr>
@@ -6151,7 +6170,7 @@
           <p:cNvPr id="5" name="Рисунок 4">
             <a:extLst>
               <a:ext uri="{FF2B5EF4-FFF2-40B4-BE49-F238E27FC236}">
-                <a16:creationId xmlns:a16="http://schemas.microsoft.com/office/drawing/2014/main" id="{FB5DBD6C-E8A8-B349-AC85-61C44AAEA056}"/>
+                <a16:creationId xmlns:a16="http://schemas.microsoft.com/office/drawing/2014/main" xmlns="" id="{FB5DBD6C-E8A8-B349-AC85-61C44AAEA056}"/>
               </a:ext>
             </a:extLst>
           </p:cNvPr>
@@ -6182,7 +6201,7 @@
           <p:cNvPr id="2" name="Заголовок 1">
             <a:extLst>
               <a:ext uri="{FF2B5EF4-FFF2-40B4-BE49-F238E27FC236}">
-                <a16:creationId xmlns:a16="http://schemas.microsoft.com/office/drawing/2014/main" id="{F266081D-517B-5D43-A7B4-E67DDEDC0B31}"/>
+                <a16:creationId xmlns:a16="http://schemas.microsoft.com/office/drawing/2014/main" xmlns="" id="{F266081D-517B-5D43-A7B4-E67DDEDC0B31}"/>
               </a:ext>
             </a:extLst>
           </p:cNvPr>
@@ -6219,7 +6238,7 @@
           <p:cNvPr id="4" name="Подзаголовок 3">
             <a:extLst>
               <a:ext uri="{FF2B5EF4-FFF2-40B4-BE49-F238E27FC236}">
-                <a16:creationId xmlns:a16="http://schemas.microsoft.com/office/drawing/2014/main" id="{9CA982C5-8822-5F41-B151-CBFC3278D992}"/>
+                <a16:creationId xmlns:a16="http://schemas.microsoft.com/office/drawing/2014/main" xmlns="" id="{9CA982C5-8822-5F41-B151-CBFC3278D992}"/>
               </a:ext>
             </a:extLst>
           </p:cNvPr>
@@ -6262,7 +6281,7 @@
     </p:spTree>
     <p:extLst>
       <p:ext uri="{BB962C8B-B14F-4D97-AF65-F5344CB8AC3E}">
-        <p14:creationId xmlns:p14="http://schemas.microsoft.com/office/powerpoint/2010/main" val="1984022736"/>
+        <p14:creationId xmlns:p14="http://schemas.microsoft.com/office/powerpoint/2010/main" xmlns="" val="1984022736"/>
       </p:ext>
     </p:extLst>
   </p:cSld>
@@ -6302,10 +6321,10 @@
           <p:cNvPr id="11" name="Freeform 6">
             <a:extLst>
               <a:ext uri="{FF2B5EF4-FFF2-40B4-BE49-F238E27FC236}">
-                <a16:creationId xmlns:a16="http://schemas.microsoft.com/office/drawing/2014/main" id="{89124C13-A6E4-4CA6-AA61-9F619F247D77}"/>
+                <a16:creationId xmlns:a16="http://schemas.microsoft.com/office/drawing/2014/main" xmlns="" id="{89124C13-A6E4-4CA6-AA61-9F619F247D77}"/>
               </a:ext>
               <a:ext uri="{C183D7F6-B498-43B3-948B-1728B52AA6E4}">
-                <adec:decorative xmlns:adec="http://schemas.microsoft.com/office/drawing/2017/decorative" val="1"/>
+                <adec:decorative xmlns:adec="http://schemas.microsoft.com/office/drawing/2017/decorative" xmlns="" val="1"/>
               </a:ext>
             </a:extLst>
           </p:cNvPr>
@@ -6315,7 +6334,7 @@
           <p:nvPr>
             <p:extLst>
               <p:ext uri="{386F3935-93C4-4BCD-93E2-E3B085C9AB24}">
-                <p16:designElem xmlns:p16="http://schemas.microsoft.com/office/powerpoint/2015/main" val="1"/>
+                <p16:designElem xmlns:p16="http://schemas.microsoft.com/office/powerpoint/2015/main" xmlns="" val="1"/>
               </p:ext>
             </p:extLst>
           </p:nvPr>
@@ -6391,7 +6410,7 @@
           <a:ln/>
           <a:extLst>
             <a:ext uri="{91240B29-F687-4f45-9708-019B960494DF}">
-              <a14:hiddenLine xmlns="" xmlns:a16="http://schemas.microsoft.com/office/drawing/2014/main" xmlns:p14="http://schemas.microsoft.com/office/powerpoint/2010/main" xmlns:a14="http://schemas.microsoft.com/office/drawing/2010/main" w="9525">
+              <a14:hiddenLine xmlns:a14="http://schemas.microsoft.com/office/drawing/2010/main" xmlns:p14="http://schemas.microsoft.com/office/powerpoint/2010/main" xmlns:a16="http://schemas.microsoft.com/office/drawing/2014/main" xmlns="" w="9525">
                 <a:solidFill>
                   <a:srgbClr val="000000"/>
                 </a:solidFill>
@@ -6422,7 +6441,7 @@
           <p:cNvPr id="6" name="Рисунок 5">
             <a:extLst>
               <a:ext uri="{FF2B5EF4-FFF2-40B4-BE49-F238E27FC236}">
-                <a16:creationId xmlns:a16="http://schemas.microsoft.com/office/drawing/2014/main" id="{7A8BE678-8C36-4D75-8263-D0FF3B41AB92}"/>
+                <a16:creationId xmlns:a16="http://schemas.microsoft.com/office/drawing/2014/main" xmlns="" id="{7A8BE678-8C36-4D75-8263-D0FF3B41AB92}"/>
               </a:ext>
             </a:extLst>
           </p:cNvPr>
@@ -6453,10 +6472,10 @@
           <p:cNvPr id="13" name="Freeform 9">
             <a:extLst>
               <a:ext uri="{FF2B5EF4-FFF2-40B4-BE49-F238E27FC236}">
-                <a16:creationId xmlns:a16="http://schemas.microsoft.com/office/drawing/2014/main" id="{5B2F0987-377D-4CDD-976A-25E404384507}"/>
+                <a16:creationId xmlns:a16="http://schemas.microsoft.com/office/drawing/2014/main" xmlns="" id="{5B2F0987-377D-4CDD-976A-25E404384507}"/>
               </a:ext>
               <a:ext uri="{C183D7F6-B498-43B3-948B-1728B52AA6E4}">
-                <adec:decorative xmlns:adec="http://schemas.microsoft.com/office/drawing/2017/decorative" val="1"/>
+                <adec:decorative xmlns:adec="http://schemas.microsoft.com/office/drawing/2017/decorative" xmlns="" val="1"/>
               </a:ext>
             </a:extLst>
           </p:cNvPr>
@@ -6466,7 +6485,7 @@
           <p:nvPr>
             <p:extLst>
               <p:ext uri="{386F3935-93C4-4BCD-93E2-E3B085C9AB24}">
-                <p16:designElem xmlns:p16="http://schemas.microsoft.com/office/powerpoint/2015/main" val="1"/>
+                <p16:designElem xmlns:p16="http://schemas.microsoft.com/office/powerpoint/2015/main" xmlns="" val="1"/>
               </p:ext>
             </p:extLst>
           </p:nvPr>
@@ -6652,7 +6671,7 @@
           <p:cNvPr id="2" name="Заголовок 1">
             <a:extLst>
               <a:ext uri="{FF2B5EF4-FFF2-40B4-BE49-F238E27FC236}">
-                <a16:creationId xmlns:a16="http://schemas.microsoft.com/office/drawing/2014/main" id="{A2A90A63-D8FB-4912-846C-990E0418F858}"/>
+                <a16:creationId xmlns:a16="http://schemas.microsoft.com/office/drawing/2014/main" xmlns="" id="{A2A90A63-D8FB-4912-846C-990E0418F858}"/>
               </a:ext>
             </a:extLst>
           </p:cNvPr>
@@ -6691,7 +6710,7 @@
           <p:cNvPr id="4" name="Текст 3">
             <a:extLst>
               <a:ext uri="{FF2B5EF4-FFF2-40B4-BE49-F238E27FC236}">
-                <a16:creationId xmlns:a16="http://schemas.microsoft.com/office/drawing/2014/main" id="{BEA32856-7109-4E94-BDE3-ED355CD4E713}"/>
+                <a16:creationId xmlns:a16="http://schemas.microsoft.com/office/drawing/2014/main" xmlns="" id="{BEA32856-7109-4E94-BDE3-ED355CD4E713}"/>
               </a:ext>
             </a:extLst>
           </p:cNvPr>
@@ -6748,7 +6767,7 @@
     </p:spTree>
     <p:extLst>
       <p:ext uri="{BB962C8B-B14F-4D97-AF65-F5344CB8AC3E}">
-        <p14:creationId xmlns:p14="http://schemas.microsoft.com/office/powerpoint/2010/main" val="815444119"/>
+        <p14:creationId xmlns:p14="http://schemas.microsoft.com/office/powerpoint/2010/main" xmlns="" val="815444119"/>
       </p:ext>
     </p:extLst>
   </p:cSld>
@@ -6788,10 +6807,10 @@
           <p:cNvPr id="15" name="Freeform 6">
             <a:extLst>
               <a:ext uri="{FF2B5EF4-FFF2-40B4-BE49-F238E27FC236}">
-                <a16:creationId xmlns:a16="http://schemas.microsoft.com/office/drawing/2014/main" id="{E5A10C92-5805-4C39-9BF6-507F3B9661A3}"/>
+                <a16:creationId xmlns:a16="http://schemas.microsoft.com/office/drawing/2014/main" xmlns="" id="{E5A10C92-5805-4C39-9BF6-507F3B9661A3}"/>
               </a:ext>
               <a:ext uri="{C183D7F6-B498-43B3-948B-1728B52AA6E4}">
-                <adec:decorative xmlns:adec="http://schemas.microsoft.com/office/drawing/2017/decorative" val="1"/>
+                <adec:decorative xmlns:adec="http://schemas.microsoft.com/office/drawing/2017/decorative" xmlns="" val="1"/>
               </a:ext>
             </a:extLst>
           </p:cNvPr>
@@ -6801,7 +6820,7 @@
           <p:nvPr>
             <p:extLst>
               <p:ext uri="{386F3935-93C4-4BCD-93E2-E3B085C9AB24}">
-                <p16:designElem xmlns:p16="http://schemas.microsoft.com/office/powerpoint/2015/main" val="1"/>
+                <p16:designElem xmlns:p16="http://schemas.microsoft.com/office/powerpoint/2015/main" xmlns="" val="1"/>
               </p:ext>
             </p:extLst>
           </p:nvPr>
@@ -6878,7 +6897,7 @@
           <a:effectLst/>
           <a:extLst>
             <a:ext uri="{91240B29-F687-4f45-9708-019B960494DF}">
-              <a14:hiddenLine xmlns="" xmlns:a16="http://schemas.microsoft.com/office/drawing/2014/main" xmlns:p14="http://schemas.microsoft.com/office/powerpoint/2010/main" xmlns:a14="http://schemas.microsoft.com/office/drawing/2010/main" w="9525">
+              <a14:hiddenLine xmlns:a14="http://schemas.microsoft.com/office/drawing/2010/main" xmlns:p14="http://schemas.microsoft.com/office/powerpoint/2010/main" xmlns:a16="http://schemas.microsoft.com/office/drawing/2014/main" xmlns="" w="9525">
                 <a:solidFill>
                   <a:srgbClr val="000000"/>
                 </a:solidFill>
@@ -6909,7 +6928,7 @@
           <p:cNvPr id="6" name="Рисунок 5" descr="Изображение выглядит как цепь&#10;&#10;Автоматически созданное описание">
             <a:extLst>
               <a:ext uri="{FF2B5EF4-FFF2-40B4-BE49-F238E27FC236}">
-                <a16:creationId xmlns:a16="http://schemas.microsoft.com/office/drawing/2014/main" id="{1D96176D-8AFC-41F4-B3F6-35E7708CDF79}"/>
+                <a16:creationId xmlns:a16="http://schemas.microsoft.com/office/drawing/2014/main" xmlns="" id="{1D96176D-8AFC-41F4-B3F6-35E7708CDF79}"/>
               </a:ext>
             </a:extLst>
           </p:cNvPr>
@@ -6940,10 +6959,10 @@
           <p:cNvPr id="16" name="Freeform 9">
             <a:extLst>
               <a:ext uri="{FF2B5EF4-FFF2-40B4-BE49-F238E27FC236}">
-                <a16:creationId xmlns:a16="http://schemas.microsoft.com/office/drawing/2014/main" id="{FD93103C-50F9-4D8C-9032-AB9F9BA59457}"/>
+                <a16:creationId xmlns:a16="http://schemas.microsoft.com/office/drawing/2014/main" xmlns="" id="{FD93103C-50F9-4D8C-9032-AB9F9BA59457}"/>
               </a:ext>
               <a:ext uri="{C183D7F6-B498-43B3-948B-1728B52AA6E4}">
-                <adec:decorative xmlns:adec="http://schemas.microsoft.com/office/drawing/2017/decorative" val="1"/>
+                <adec:decorative xmlns:adec="http://schemas.microsoft.com/office/drawing/2017/decorative" xmlns="" val="1"/>
               </a:ext>
             </a:extLst>
           </p:cNvPr>
@@ -6953,7 +6972,7 @@
           <p:nvPr>
             <p:extLst>
               <p:ext uri="{386F3935-93C4-4BCD-93E2-E3B085C9AB24}">
-                <p16:designElem xmlns:p16="http://schemas.microsoft.com/office/powerpoint/2015/main" val="1"/>
+                <p16:designElem xmlns:p16="http://schemas.microsoft.com/office/powerpoint/2015/main" xmlns="" val="1"/>
               </p:ext>
             </p:extLst>
           </p:nvPr>
@@ -7137,7 +7156,7 @@
           <p:cNvPr id="2" name="Заголовок 1">
             <a:extLst>
               <a:ext uri="{FF2B5EF4-FFF2-40B4-BE49-F238E27FC236}">
-                <a16:creationId xmlns:a16="http://schemas.microsoft.com/office/drawing/2014/main" id="{E3A48023-366A-44AD-BB0E-B6DB420CBBDB}"/>
+                <a16:creationId xmlns:a16="http://schemas.microsoft.com/office/drawing/2014/main" xmlns="" id="{E3A48023-366A-44AD-BB0E-B6DB420CBBDB}"/>
               </a:ext>
             </a:extLst>
           </p:cNvPr>
@@ -7173,7 +7192,7 @@
           <p:cNvPr id="4" name="Текст 3">
             <a:extLst>
               <a:ext uri="{FF2B5EF4-FFF2-40B4-BE49-F238E27FC236}">
-                <a16:creationId xmlns:a16="http://schemas.microsoft.com/office/drawing/2014/main" id="{39B5BB1F-3336-492E-945D-6CDB1EE18891}"/>
+                <a16:creationId xmlns:a16="http://schemas.microsoft.com/office/drawing/2014/main" xmlns="" id="{39B5BB1F-3336-492E-945D-6CDB1EE18891}"/>
               </a:ext>
             </a:extLst>
           </p:cNvPr>
@@ -7234,7 +7253,7 @@
     </p:spTree>
     <p:extLst>
       <p:ext uri="{BB962C8B-B14F-4D97-AF65-F5344CB8AC3E}">
-        <p14:creationId xmlns:p14="http://schemas.microsoft.com/office/powerpoint/2010/main" val="4222031773"/>
+        <p14:creationId xmlns:p14="http://schemas.microsoft.com/office/powerpoint/2010/main" xmlns="" val="4222031773"/>
       </p:ext>
     </p:extLst>
   </p:cSld>
@@ -7274,10 +7293,10 @@
           <p:cNvPr id="22" name="Freeform 6">
             <a:extLst>
               <a:ext uri="{FF2B5EF4-FFF2-40B4-BE49-F238E27FC236}">
-                <a16:creationId xmlns:a16="http://schemas.microsoft.com/office/drawing/2014/main" id="{85B3A411-39CB-4453-9F3D-FA48206632BC}"/>
+                <a16:creationId xmlns:a16="http://schemas.microsoft.com/office/drawing/2014/main" xmlns="" id="{85B3A411-39CB-4453-9F3D-FA48206632BC}"/>
               </a:ext>
               <a:ext uri="{C183D7F6-B498-43B3-948B-1728B52AA6E4}">
-                <adec:decorative xmlns:adec="http://schemas.microsoft.com/office/drawing/2017/decorative" val="1"/>
+                <adec:decorative xmlns:adec="http://schemas.microsoft.com/office/drawing/2017/decorative" xmlns="" val="1"/>
               </a:ext>
             </a:extLst>
           </p:cNvPr>
@@ -7287,7 +7306,7 @@
           <p:nvPr>
             <p:extLst>
               <p:ext uri="{386F3935-93C4-4BCD-93E2-E3B085C9AB24}">
-                <p16:designElem xmlns:p16="http://schemas.microsoft.com/office/powerpoint/2015/main" val="1"/>
+                <p16:designElem xmlns:p16="http://schemas.microsoft.com/office/powerpoint/2015/main" xmlns="" val="1"/>
               </p:ext>
             </p:extLst>
           </p:nvPr>
@@ -7364,7 +7383,7 @@
           <a:effectLst/>
           <a:extLst>
             <a:ext uri="{91240B29-F687-4f45-9708-019B960494DF}">
-              <a14:hiddenLine xmlns="" xmlns:a16="http://schemas.microsoft.com/office/drawing/2014/main" xmlns:p14="http://schemas.microsoft.com/office/powerpoint/2010/main" xmlns:a14="http://schemas.microsoft.com/office/drawing/2010/main" w="9525">
+              <a14:hiddenLine xmlns:a14="http://schemas.microsoft.com/office/drawing/2010/main" xmlns:p14="http://schemas.microsoft.com/office/powerpoint/2010/main" xmlns:a16="http://schemas.microsoft.com/office/drawing/2014/main" xmlns="" w="9525">
                 <a:solidFill>
                   <a:srgbClr val="000000"/>
                 </a:solidFill>
@@ -7395,7 +7414,7 @@
           <p:cNvPr id="2" name="Заголовок 1">
             <a:extLst>
               <a:ext uri="{FF2B5EF4-FFF2-40B4-BE49-F238E27FC236}">
-                <a16:creationId xmlns:a16="http://schemas.microsoft.com/office/drawing/2014/main" id="{59DFC085-ABC4-4B58-8D19-EAF5C7B04AF2}"/>
+                <a16:creationId xmlns:a16="http://schemas.microsoft.com/office/drawing/2014/main" xmlns="" id="{59DFC085-ABC4-4B58-8D19-EAF5C7B04AF2}"/>
               </a:ext>
             </a:extLst>
           </p:cNvPr>
@@ -7431,10 +7450,10 @@
           <p:cNvPr id="24" name="Rectangle 23">
             <a:extLst>
               <a:ext uri="{FF2B5EF4-FFF2-40B4-BE49-F238E27FC236}">
-                <a16:creationId xmlns:a16="http://schemas.microsoft.com/office/drawing/2014/main" id="{40D573D2-DD8C-4E19-8BB2-1DC0767FDB75}"/>
+                <a16:creationId xmlns:a16="http://schemas.microsoft.com/office/drawing/2014/main" xmlns="" id="{40D573D2-DD8C-4E19-8BB2-1DC0767FDB75}"/>
               </a:ext>
               <a:ext uri="{C183D7F6-B498-43B3-948B-1728B52AA6E4}">
-                <adec:decorative xmlns:adec="http://schemas.microsoft.com/office/drawing/2017/decorative" val="1"/>
+                <adec:decorative xmlns:adec="http://schemas.microsoft.com/office/drawing/2017/decorative" xmlns="" val="1"/>
               </a:ext>
             </a:extLst>
           </p:cNvPr>
@@ -7444,7 +7463,7 @@
           <p:nvPr>
             <p:extLst>
               <p:ext uri="{386F3935-93C4-4BCD-93E2-E3B085C9AB24}">
-                <p16:designElem xmlns:p16="http://schemas.microsoft.com/office/powerpoint/2015/main" val="1"/>
+                <p16:designElem xmlns:p16="http://schemas.microsoft.com/office/powerpoint/2015/main" xmlns="" val="1"/>
               </p:ext>
             </p:extLst>
           </p:nvPr>
@@ -7494,10 +7513,10 @@
           <p:cNvPr id="26" name="Rounded Rectangle 14">
             <a:extLst>
               <a:ext uri="{FF2B5EF4-FFF2-40B4-BE49-F238E27FC236}">
-                <a16:creationId xmlns:a16="http://schemas.microsoft.com/office/drawing/2014/main" id="{9B6C5F92-472F-4CAB-90F8-B997C54EBFDD}"/>
+                <a16:creationId xmlns:a16="http://schemas.microsoft.com/office/drawing/2014/main" xmlns="" id="{9B6C5F92-472F-4CAB-90F8-B997C54EBFDD}"/>
               </a:ext>
               <a:ext uri="{C183D7F6-B498-43B3-948B-1728B52AA6E4}">
-                <adec:decorative xmlns:adec="http://schemas.microsoft.com/office/drawing/2017/decorative" val="1"/>
+                <adec:decorative xmlns:adec="http://schemas.microsoft.com/office/drawing/2017/decorative" xmlns="" val="1"/>
               </a:ext>
             </a:extLst>
           </p:cNvPr>
@@ -7507,7 +7526,7 @@
           <p:nvPr>
             <p:extLst>
               <p:ext uri="{386F3935-93C4-4BCD-93E2-E3B085C9AB24}">
-                <p16:designElem xmlns:p16="http://schemas.microsoft.com/office/powerpoint/2015/main" val="1"/>
+                <p16:designElem xmlns:p16="http://schemas.microsoft.com/office/powerpoint/2015/main" xmlns="" val="1"/>
               </p:ext>
             </p:extLst>
           </p:nvPr>
@@ -7562,7 +7581,7 @@
           <p:cNvPr id="6" name="Рисунок 5" descr="Изображение выглядит как электроника, цепь&#10;&#10;Автоматически созданное описание">
             <a:extLst>
               <a:ext uri="{FF2B5EF4-FFF2-40B4-BE49-F238E27FC236}">
-                <a16:creationId xmlns:a16="http://schemas.microsoft.com/office/drawing/2014/main" id="{0117A760-EC38-41F1-94F9-F15C5633012B}"/>
+                <a16:creationId xmlns:a16="http://schemas.microsoft.com/office/drawing/2014/main" xmlns="" id="{0117A760-EC38-41F1-94F9-F15C5633012B}"/>
               </a:ext>
             </a:extLst>
           </p:cNvPr>
@@ -7593,7 +7612,7 @@
           <p:cNvPr id="4" name="Текст 3">
             <a:extLst>
               <a:ext uri="{FF2B5EF4-FFF2-40B4-BE49-F238E27FC236}">
-                <a16:creationId xmlns:a16="http://schemas.microsoft.com/office/drawing/2014/main" id="{1E370726-24DC-43CC-BFC1-70F71D1EA1DB}"/>
+                <a16:creationId xmlns:a16="http://schemas.microsoft.com/office/drawing/2014/main" xmlns="" id="{1E370726-24DC-43CC-BFC1-70F71D1EA1DB}"/>
               </a:ext>
             </a:extLst>
           </p:cNvPr>
@@ -7617,23 +7636,36 @@
           <a:lstStyle/>
           <a:p>
             <a:r>
-              <a:rPr lang="ru-RU" sz="1600" dirty="0"/>
+              <a:rPr lang="ru-RU" sz="1400" dirty="0"/>
               <a:t>Генерации уровней и предметов на них было уделено большое внимание.</a:t>
             </a:r>
-            <a:endParaRPr lang="en-US" sz="1600" dirty="0"/>
-          </a:p>
-          <a:p>
-            <a:r>
-              <a:rPr lang="ru-RU" sz="1600" dirty="0"/>
-              <a:t>В игре нет одинаковых положений врагов и сундуков, так что каждый уровень будет оригинальным, и вы не знаете, выпадут ли вам деньги из сундука, или же вы будете практиковать магические атаки.</a:t>
-            </a:r>
-          </a:p>
-          <a:p>
-            <a:endParaRPr lang="ru-RU" sz="1600" dirty="0"/>
-          </a:p>
-          <a:p>
-            <a:r>
-              <a:rPr lang="ru-RU" sz="1600" dirty="0"/>
+            <a:endParaRPr lang="en-US" sz="1400" dirty="0"/>
+          </a:p>
+          <a:p>
+            <a:r>
+              <a:rPr lang="ru-RU" sz="1400" dirty="0"/>
+              <a:t>В игре нет одинаковых положений врагов и сундуков, так что каждый уровень будет оригинальным, и вы не знаете, выпадут ли вам деньги из сундука, или же вы будете практиковать магические атаки</a:t>
+            </a:r>
+            <a:r>
+              <a:rPr lang="ru-RU" sz="1400" dirty="0" smtClean="0"/>
+              <a:t>.</a:t>
+            </a:r>
+            <a:r>
+              <a:rPr lang="en-US" sz="1400" dirty="0" smtClean="0"/>
+              <a:t> </a:t>
+            </a:r>
+            <a:r>
+              <a:rPr lang="ru-RU" sz="1400" dirty="0" smtClean="0"/>
+              <a:t>Также в игре присутствуют грибы, оставшиеся со времён древних русов и восстанавливающие здоровье персонажа!</a:t>
+            </a:r>
+            <a:endParaRPr lang="ru-RU" sz="1400" dirty="0"/>
+          </a:p>
+          <a:p>
+            <a:endParaRPr lang="ru-RU" sz="1400" dirty="0"/>
+          </a:p>
+          <a:p>
+            <a:r>
+              <a:rPr lang="ru-RU" sz="1400" dirty="0"/>
               <a:t>Так же в будущем мы добавим много нового, но пока что мы ограничились одним типом врагов. Будет увеличиваться список различного вооружения и обмундирования, так что каждая катка будет оригинальной.</a:t>
             </a:r>
           </a:p>
@@ -7642,7 +7674,7 @@
     </p:spTree>
     <p:extLst>
       <p:ext uri="{BB962C8B-B14F-4D97-AF65-F5344CB8AC3E}">
-        <p14:creationId xmlns:p14="http://schemas.microsoft.com/office/powerpoint/2010/main" val="686241836"/>
+        <p14:creationId xmlns:p14="http://schemas.microsoft.com/office/powerpoint/2010/main" xmlns="" val="686241836"/>
       </p:ext>
     </p:extLst>
   </p:cSld>
@@ -7682,10 +7714,10 @@
           <p:cNvPr id="11" name="Freeform 6">
             <a:extLst>
               <a:ext uri="{FF2B5EF4-FFF2-40B4-BE49-F238E27FC236}">
-                <a16:creationId xmlns:a16="http://schemas.microsoft.com/office/drawing/2014/main" id="{89124C13-A6E4-4CA6-AA61-9F619F247D77}"/>
+                <a16:creationId xmlns:a16="http://schemas.microsoft.com/office/drawing/2014/main" xmlns="" id="{89124C13-A6E4-4CA6-AA61-9F619F247D77}"/>
               </a:ext>
               <a:ext uri="{C183D7F6-B498-43B3-948B-1728B52AA6E4}">
-                <adec:decorative xmlns:adec="http://schemas.microsoft.com/office/drawing/2017/decorative" val="1"/>
+                <adec:decorative xmlns:adec="http://schemas.microsoft.com/office/drawing/2017/decorative" xmlns="" val="1"/>
               </a:ext>
             </a:extLst>
           </p:cNvPr>
@@ -7695,7 +7727,7 @@
           <p:nvPr>
             <p:extLst>
               <p:ext uri="{386F3935-93C4-4BCD-93E2-E3B085C9AB24}">
-                <p16:designElem xmlns:p16="http://schemas.microsoft.com/office/powerpoint/2015/main" val="1"/>
+                <p16:designElem xmlns:p16="http://schemas.microsoft.com/office/powerpoint/2015/main" xmlns="" val="1"/>
               </p:ext>
             </p:extLst>
           </p:nvPr>
@@ -7771,7 +7803,7 @@
           <a:ln/>
           <a:extLst>
             <a:ext uri="{91240B29-F687-4f45-9708-019B960494DF}">
-              <a14:hiddenLine xmlns="" xmlns:a16="http://schemas.microsoft.com/office/drawing/2014/main" xmlns:p14="http://schemas.microsoft.com/office/powerpoint/2010/main" xmlns:a14="http://schemas.microsoft.com/office/drawing/2010/main" w="9525">
+              <a14:hiddenLine xmlns:a14="http://schemas.microsoft.com/office/drawing/2010/main" xmlns:p14="http://schemas.microsoft.com/office/powerpoint/2010/main" xmlns:a16="http://schemas.microsoft.com/office/drawing/2014/main" xmlns="" w="9525">
                 <a:solidFill>
                   <a:srgbClr val="000000"/>
                 </a:solidFill>
@@ -7802,7 +7834,7 @@
           <p:cNvPr id="6" name="Рисунок 5" descr="Изображение выглядит как игрушка, стол&#10;&#10;Автоматически созданное описание">
             <a:extLst>
               <a:ext uri="{FF2B5EF4-FFF2-40B4-BE49-F238E27FC236}">
-                <a16:creationId xmlns:a16="http://schemas.microsoft.com/office/drawing/2014/main" id="{805D73B5-7C8B-49D1-A8A3-FA10B52F61EE}"/>
+                <a16:creationId xmlns:a16="http://schemas.microsoft.com/office/drawing/2014/main" xmlns="" id="{805D73B5-7C8B-49D1-A8A3-FA10B52F61EE}"/>
               </a:ext>
             </a:extLst>
           </p:cNvPr>
@@ -7841,10 +7873,10 @@
           <p:cNvPr id="13" name="Freeform 16">
             <a:extLst>
               <a:ext uri="{FF2B5EF4-FFF2-40B4-BE49-F238E27FC236}">
-                <a16:creationId xmlns:a16="http://schemas.microsoft.com/office/drawing/2014/main" id="{90814A6D-51DC-4E3F-B3C1-B4B7517F1786}"/>
+                <a16:creationId xmlns:a16="http://schemas.microsoft.com/office/drawing/2014/main" xmlns="" id="{90814A6D-51DC-4E3F-B3C1-B4B7517F1786}"/>
               </a:ext>
               <a:ext uri="{C183D7F6-B498-43B3-948B-1728B52AA6E4}">
-                <adec:decorative xmlns:adec="http://schemas.microsoft.com/office/drawing/2017/decorative" val="1"/>
+                <adec:decorative xmlns:adec="http://schemas.microsoft.com/office/drawing/2017/decorative" xmlns="" val="1"/>
               </a:ext>
             </a:extLst>
           </p:cNvPr>
@@ -7854,7 +7886,7 @@
           <p:nvPr>
             <p:extLst>
               <p:ext uri="{386F3935-93C4-4BCD-93E2-E3B085C9AB24}">
-                <p16:designElem xmlns:p16="http://schemas.microsoft.com/office/powerpoint/2015/main" val="1"/>
+                <p16:designElem xmlns:p16="http://schemas.microsoft.com/office/powerpoint/2015/main" xmlns="" val="1"/>
               </p:ext>
             </p:extLst>
           </p:nvPr>
@@ -8039,7 +8071,7 @@
           <p:cNvPr id="2" name="Заголовок 1">
             <a:extLst>
               <a:ext uri="{FF2B5EF4-FFF2-40B4-BE49-F238E27FC236}">
-                <a16:creationId xmlns:a16="http://schemas.microsoft.com/office/drawing/2014/main" id="{BD84E9AB-05DF-4975-8FE7-2CCBB2285601}"/>
+                <a16:creationId xmlns:a16="http://schemas.microsoft.com/office/drawing/2014/main" xmlns="" id="{BD84E9AB-05DF-4975-8FE7-2CCBB2285601}"/>
               </a:ext>
             </a:extLst>
           </p:cNvPr>
@@ -8075,7 +8107,7 @@
           <p:cNvPr id="4" name="Текст 3">
             <a:extLst>
               <a:ext uri="{FF2B5EF4-FFF2-40B4-BE49-F238E27FC236}">
-                <a16:creationId xmlns:a16="http://schemas.microsoft.com/office/drawing/2014/main" id="{B91A27D0-3CDC-44FC-A464-3D80F33424B0}"/>
+                <a16:creationId xmlns:a16="http://schemas.microsoft.com/office/drawing/2014/main" xmlns="" id="{B91A27D0-3CDC-44FC-A464-3D80F33424B0}"/>
               </a:ext>
             </a:extLst>
           </p:cNvPr>
@@ -8098,14 +8130,7 @@
           </a:bodyPr>
           <a:lstStyle/>
           <a:p>
-            <a:pPr>
-              <a:buFont typeface="Wingdings 2" charset="2"/>
-              <a:buChar char=""/>
-            </a:pPr>
-            <a:r>
-              <a:rPr lang="ru-RU" dirty="0"/>
-              <a:t>Грибы – играют роль хилки.</a:t>
-            </a:r>
+            <a:endParaRPr lang="ru-RU" dirty="0"/>
           </a:p>
           <a:p>
             <a:pPr>
@@ -8159,7 +8184,7 @@
     </p:spTree>
     <p:extLst>
       <p:ext uri="{BB962C8B-B14F-4D97-AF65-F5344CB8AC3E}">
-        <p14:creationId xmlns:p14="http://schemas.microsoft.com/office/powerpoint/2010/main" val="2416325639"/>
+        <p14:creationId xmlns:p14="http://schemas.microsoft.com/office/powerpoint/2010/main" xmlns="" val="2416325639"/>
       </p:ext>
     </p:extLst>
   </p:cSld>
@@ -8199,10 +8224,10 @@
           <p:cNvPr id="18" name="Freeform 6">
             <a:extLst>
               <a:ext uri="{FF2B5EF4-FFF2-40B4-BE49-F238E27FC236}">
-                <a16:creationId xmlns:a16="http://schemas.microsoft.com/office/drawing/2014/main" id="{E5A10C92-5805-4C39-9BF6-507F3B9661A3}"/>
+                <a16:creationId xmlns:a16="http://schemas.microsoft.com/office/drawing/2014/main" xmlns="" id="{E5A10C92-5805-4C39-9BF6-507F3B9661A3}"/>
               </a:ext>
               <a:ext uri="{C183D7F6-B498-43B3-948B-1728B52AA6E4}">
-                <adec:decorative xmlns:adec="http://schemas.microsoft.com/office/drawing/2017/decorative" val="1"/>
+                <adec:decorative xmlns:adec="http://schemas.microsoft.com/office/drawing/2017/decorative" xmlns="" val="1"/>
               </a:ext>
             </a:extLst>
           </p:cNvPr>
@@ -8212,7 +8237,7 @@
           <p:nvPr>
             <p:extLst>
               <p:ext uri="{386F3935-93C4-4BCD-93E2-E3B085C9AB24}">
-                <p16:designElem xmlns:p16="http://schemas.microsoft.com/office/powerpoint/2015/main" val="1"/>
+                <p16:designElem xmlns:p16="http://schemas.microsoft.com/office/powerpoint/2015/main" xmlns="" val="1"/>
               </p:ext>
             </p:extLst>
           </p:nvPr>
@@ -8289,7 +8314,7 @@
           <a:effectLst/>
           <a:extLst>
             <a:ext uri="{91240B29-F687-4f45-9708-019B960494DF}">
-              <a14:hiddenLine xmlns="" xmlns:a16="http://schemas.microsoft.com/office/drawing/2014/main" xmlns:p14="http://schemas.microsoft.com/office/powerpoint/2010/main" xmlns:a14="http://schemas.microsoft.com/office/drawing/2010/main" w="9525">
+              <a14:hiddenLine xmlns:a14="http://schemas.microsoft.com/office/drawing/2010/main" xmlns:p14="http://schemas.microsoft.com/office/powerpoint/2010/main" xmlns:a16="http://schemas.microsoft.com/office/drawing/2014/main" xmlns="" w="9525">
                 <a:solidFill>
                   <a:srgbClr val="000000"/>
                 </a:solidFill>
@@ -8320,10 +8345,10 @@
           <p:cNvPr id="20" name="Rectangle 19">
             <a:extLst>
               <a:ext uri="{FF2B5EF4-FFF2-40B4-BE49-F238E27FC236}">
-                <a16:creationId xmlns:a16="http://schemas.microsoft.com/office/drawing/2014/main" id="{54047A07-72EC-41BC-A55F-C264F639FB20}"/>
+                <a16:creationId xmlns:a16="http://schemas.microsoft.com/office/drawing/2014/main" xmlns="" id="{54047A07-72EC-41BC-A55F-C264F639FB20}"/>
               </a:ext>
               <a:ext uri="{C183D7F6-B498-43B3-948B-1728B52AA6E4}">
-                <adec:decorative xmlns:adec="http://schemas.microsoft.com/office/drawing/2017/decorative" val="1"/>
+                <adec:decorative xmlns:adec="http://schemas.microsoft.com/office/drawing/2017/decorative" xmlns="" val="1"/>
               </a:ext>
             </a:extLst>
           </p:cNvPr>
@@ -8333,7 +8358,7 @@
           <p:nvPr>
             <p:extLst>
               <p:ext uri="{386F3935-93C4-4BCD-93E2-E3B085C9AB24}">
-                <p16:designElem xmlns:p16="http://schemas.microsoft.com/office/powerpoint/2015/main" val="1"/>
+                <p16:designElem xmlns:p16="http://schemas.microsoft.com/office/powerpoint/2015/main" xmlns="" val="1"/>
               </p:ext>
             </p:extLst>
           </p:nvPr>
@@ -8380,7 +8405,7 @@
           <p:cNvPr id="6" name="Рисунок 5" descr="Изображение выглядит как стол, игрушка&#10;&#10;Автоматически созданное описание">
             <a:extLst>
               <a:ext uri="{FF2B5EF4-FFF2-40B4-BE49-F238E27FC236}">
-                <a16:creationId xmlns:a16="http://schemas.microsoft.com/office/drawing/2014/main" id="{6F949809-DA0F-4F0E-B07A-06CD520DB8BC}"/>
+                <a16:creationId xmlns:a16="http://schemas.microsoft.com/office/drawing/2014/main" xmlns="" id="{6F949809-DA0F-4F0E-B07A-06CD520DB8BC}"/>
               </a:ext>
             </a:extLst>
           </p:cNvPr>
@@ -8413,7 +8438,7 @@
           <p:cNvPr id="2" name="Заголовок 1">
             <a:extLst>
               <a:ext uri="{FF2B5EF4-FFF2-40B4-BE49-F238E27FC236}">
-                <a16:creationId xmlns:a16="http://schemas.microsoft.com/office/drawing/2014/main" id="{8B63C9EE-481E-46D0-A1CC-2652AE477368}"/>
+                <a16:creationId xmlns:a16="http://schemas.microsoft.com/office/drawing/2014/main" xmlns="" id="{8B63C9EE-481E-46D0-A1CC-2652AE477368}"/>
               </a:ext>
             </a:extLst>
           </p:cNvPr>
@@ -8448,7 +8473,7 @@
           <p:cNvPr id="4" name="Текст 3">
             <a:extLst>
               <a:ext uri="{FF2B5EF4-FFF2-40B4-BE49-F238E27FC236}">
-                <a16:creationId xmlns:a16="http://schemas.microsoft.com/office/drawing/2014/main" id="{88536334-9621-474B-A65F-28E19A51791B}"/>
+                <a16:creationId xmlns:a16="http://schemas.microsoft.com/office/drawing/2014/main" xmlns="" id="{88536334-9621-474B-A65F-28E19A51791B}"/>
               </a:ext>
             </a:extLst>
           </p:cNvPr>
@@ -8481,7 +8506,7 @@
     </p:spTree>
     <p:extLst>
       <p:ext uri="{BB962C8B-B14F-4D97-AF65-F5344CB8AC3E}">
-        <p14:creationId xmlns:p14="http://schemas.microsoft.com/office/powerpoint/2010/main" val="1669262482"/>
+        <p14:creationId xmlns:p14="http://schemas.microsoft.com/office/powerpoint/2010/main" xmlns="" val="1669262482"/>
       </p:ext>
     </p:extLst>
   </p:cSld>
@@ -8534,7 +8559,7 @@
     </a:clrScheme>
     <a:fontScheme name="Quotable">
       <a:majorFont>
-        <a:latin typeface="Century Gothic" panose="020B0502020202020204"/>
+        <a:latin typeface="Century Gothic"/>
         <a:ea typeface=""/>
         <a:cs typeface=""/>
         <a:font script="Jpan" typeface="ＭＳ ゴシック"/>
@@ -8569,7 +8594,7 @@
         <a:font script="Geor" typeface="Sylfaen"/>
       </a:majorFont>
       <a:minorFont>
-        <a:latin typeface="Century Gothic" panose="020B0502020202020204"/>
+        <a:latin typeface="Century Gothic"/>
         <a:ea typeface=""/>
         <a:cs typeface=""/>
         <a:font script="Jpan" typeface="ＭＳ ゴシック"/>
@@ -8722,7 +8747,7 @@
   <a:extraClrSchemeLst/>
   <a:extLst>
     <a:ext uri="{05A4C25C-085E-4340-85A3-A5531E510DB2}">
-      <thm15:themeFamily xmlns:thm15="http://schemas.microsoft.com/office/thememl/2012/main" name="Quotable" id="{39EC5628-30ED-4578-ACD8-9820EDB8E15A}" vid="{ACECE1E4-636E-48DB-87ED-4A76DC93378F}"/>
+      <thm15:themeFamily xmlns:thm15="http://schemas.microsoft.com/office/thememl/2012/main" xmlns="" name="Quotable" id="{39EC5628-30ED-4578-ACD8-9820EDB8E15A}" vid="{ACECE1E4-636E-48DB-87ED-4A76DC93378F}"/>
     </a:ext>
   </a:extLst>
 </a:theme>
@@ -8771,7 +8796,7 @@
     </a:clrScheme>
     <a:fontScheme name="Стандартная">
       <a:majorFont>
-        <a:latin typeface="Calibri Light" panose="020F0302020204030204"/>
+        <a:latin typeface="Calibri Light"/>
         <a:ea typeface=""/>
         <a:cs typeface=""/>
         <a:font script="Jpan" typeface="游ゴシック Light"/>
@@ -8806,7 +8831,7 @@
         <a:font script="Geor" typeface="Sylfaen"/>
       </a:majorFont>
       <a:minorFont>
-        <a:latin typeface="Calibri" panose="020F0502020204030204"/>
+        <a:latin typeface="Calibri"/>
         <a:ea typeface=""/>
         <a:cs typeface=""/>
         <a:font script="Jpan" typeface="游ゴシック"/>
@@ -8983,7 +9008,7 @@
   <a:extraClrSchemeLst/>
   <a:extLst>
     <a:ext uri="{05A4C25C-085E-4340-85A3-A5531E510DB2}">
-      <thm15:themeFamily xmlns:thm15="http://schemas.microsoft.com/office/thememl/2012/main" name="Office Theme" id="{62F939B6-93AF-4DB8-9C6B-D6C7DFDC589F}" vid="{4A3C46E8-61CC-4603-A589-7422A47A8E4A}"/>
+      <thm15:themeFamily xmlns:thm15="http://schemas.microsoft.com/office/thememl/2012/main" xmlns="" name="Office Theme" id="{62F939B6-93AF-4DB8-9C6B-D6C7DFDC589F}" vid="{4A3C46E8-61CC-4603-A589-7422A47A8E4A}"/>
     </a:ext>
   </a:extLst>
 </a:theme>
@@ -9032,7 +9057,7 @@
     </a:clrScheme>
     <a:fontScheme name="Стандартная">
       <a:majorFont>
-        <a:latin typeface="Calibri Light" panose="020F0302020204030204"/>
+        <a:latin typeface="Calibri Light"/>
         <a:ea typeface=""/>
         <a:cs typeface=""/>
         <a:font script="Jpan" typeface="游ゴシック Light"/>
@@ -9067,7 +9092,7 @@
         <a:font script="Geor" typeface="Sylfaen"/>
       </a:majorFont>
       <a:minorFont>
-        <a:latin typeface="Calibri" panose="020F0502020204030204"/>
+        <a:latin typeface="Calibri"/>
         <a:ea typeface=""/>
         <a:cs typeface=""/>
         <a:font script="Jpan" typeface="游ゴシック"/>
@@ -9244,13 +9269,30 @@
   <a:extraClrSchemeLst/>
   <a:extLst>
     <a:ext uri="{05A4C25C-085E-4340-85A3-A5531E510DB2}">
-      <thm15:themeFamily xmlns:thm15="http://schemas.microsoft.com/office/thememl/2012/main" name="Office Theme" id="{62F939B6-93AF-4DB8-9C6B-D6C7DFDC589F}" vid="{4A3C46E8-61CC-4603-A589-7422A47A8E4A}"/>
+      <thm15:themeFamily xmlns:thm15="http://schemas.microsoft.com/office/thememl/2012/main" xmlns="" name="Office Theme" id="{62F939B6-93AF-4DB8-9C6B-D6C7DFDC589F}" vid="{4A3C46E8-61CC-4603-A589-7422A47A8E4A}"/>
     </a:ext>
   </a:extLst>
 </a:theme>
 </file>
 
 <file path=customXml/item1.xml><?xml version="1.0" encoding="utf-8"?>
+<p:properties xmlns:p="http://schemas.microsoft.com/office/2006/metadata/properties" xmlns:xsi="http://www.w3.org/2001/XMLSchema-instance" xmlns:pc="http://schemas.microsoft.com/office/infopath/2007/PartnerControls">
+  <documentManagement>
+    <MediaServiceKeyPoints xmlns="71af3243-3dd4-4a8d-8c0d-dd76da1f02a5" xsi:nil="true"/>
+  </documentManagement>
+</p:properties>
+</file>
+
+<file path=customXml/item2.xml><?xml version="1.0" encoding="utf-8"?>
+<?mso-contentType ?>
+<FormTemplates xmlns="http://schemas.microsoft.com/sharepoint/v3/contenttype/forms">
+  <Display>DocumentLibraryForm</Display>
+  <Edit>DocumentLibraryForm</Edit>
+  <New>DocumentLibraryForm</New>
+</FormTemplates>
+</file>
+
+<file path=customXml/item3.xml><?xml version="1.0" encoding="utf-8"?>
 <ct:contentTypeSchema xmlns:ct="http://schemas.microsoft.com/office/2006/metadata/contentType" xmlns:ma="http://schemas.microsoft.com/office/2006/metadata/properties/metaAttributes" ct:_="" ma:_="" ma:contentTypeName="Document" ma:contentTypeID="0x01010079F111ED35F8CC479449609E8A0923A6" ma:contentTypeVersion="11" ma:contentTypeDescription="Create a new document." ma:contentTypeScope="" ma:versionID="1c2eb7a32e66fb6e4260f3771546a5e2">
   <xsd:schema xmlns:xsd="http://www.w3.org/2001/XMLSchema" xmlns:xs="http://www.w3.org/2001/XMLSchema" xmlns:p="http://schemas.microsoft.com/office/2006/metadata/properties" xmlns:ns2="71af3243-3dd4-4a8d-8c0d-dd76da1f02a5" xmlns:ns3="16c05727-aa75-4e4a-9b5f-8a80a1165891" targetNamespace="http://schemas.microsoft.com/office/2006/metadata/properties" ma:root="true" ma:fieldsID="04e1f6479c48b08974ba73b5ca973489" ns2:_="" ns3:_="">
     <xsd:import namespace="71af3243-3dd4-4a8d-8c0d-dd76da1f02a5"/>
@@ -9461,24 +9503,25 @@
 </ct:contentTypeSchema>
 </file>
 
-<file path=customXml/item2.xml><?xml version="1.0" encoding="utf-8"?>
-<?mso-contentType ?>
-<FormTemplates xmlns="http://schemas.microsoft.com/sharepoint/v3/contenttype/forms">
-  <Display>DocumentLibraryForm</Display>
-  <Edit>DocumentLibraryForm</Edit>
-  <New>DocumentLibraryForm</New>
-</FormTemplates>
+<file path=customXml/itemProps1.xml><?xml version="1.0" encoding="utf-8"?>
+<ds:datastoreItem xmlns:ds="http://schemas.openxmlformats.org/officeDocument/2006/customXml" ds:itemID="{DEFDB075-32D3-45D6-B446-788704F8FD25}">
+  <ds:schemaRefs>
+    <ds:schemaRef ds:uri="http://schemas.microsoft.com/office/2006/metadata/properties"/>
+    <ds:schemaRef ds:uri="http://schemas.microsoft.com/office/infopath/2007/PartnerControls"/>
+    <ds:schemaRef ds:uri="71af3243-3dd4-4a8d-8c0d-dd76da1f02a5"/>
+  </ds:schemaRefs>
+</ds:datastoreItem>
 </file>
 
-<file path=customXml/item3.xml><?xml version="1.0" encoding="utf-8"?>
-<p:properties xmlns:p="http://schemas.microsoft.com/office/2006/metadata/properties" xmlns:xsi="http://www.w3.org/2001/XMLSchema-instance" xmlns:pc="http://schemas.microsoft.com/office/infopath/2007/PartnerControls">
-  <documentManagement>
-    <MediaServiceKeyPoints xmlns="71af3243-3dd4-4a8d-8c0d-dd76da1f02a5" xsi:nil="true"/>
-  </documentManagement>
-</p:properties>
+<file path=customXml/itemProps2.xml><?xml version="1.0" encoding="utf-8"?>
+<ds:datastoreItem xmlns:ds="http://schemas.openxmlformats.org/officeDocument/2006/customXml" ds:itemID="{1DD8CA2E-8B16-4096-95E2-945585B39723}">
+  <ds:schemaRefs>
+    <ds:schemaRef ds:uri="http://schemas.microsoft.com/sharepoint/v3/contenttype/forms"/>
+  </ds:schemaRefs>
+</ds:datastoreItem>
 </file>
 
-<file path=customXml/itemProps1.xml><?xml version="1.0" encoding="utf-8"?>
+<file path=customXml/itemProps3.xml><?xml version="1.0" encoding="utf-8"?>
 <ds:datastoreItem xmlns:ds="http://schemas.openxmlformats.org/officeDocument/2006/customXml" ds:itemID="{34DF392C-D201-4335-BC06-05E8DA4E0E4B}">
   <ds:schemaRefs>
     <ds:schemaRef ds:uri="http://schemas.microsoft.com/office/2006/metadata/contentType"/>
@@ -9495,22 +9538,4 @@
     <ds:schemaRef ds:uri="http://schemas.microsoft.com/internal/obd"/>
   </ds:schemaRefs>
 </ds:datastoreItem>
-</file>
-
-<file path=customXml/itemProps2.xml><?xml version="1.0" encoding="utf-8"?>
-<ds:datastoreItem xmlns:ds="http://schemas.openxmlformats.org/officeDocument/2006/customXml" ds:itemID="{1DD8CA2E-8B16-4096-95E2-945585B39723}">
-  <ds:schemaRefs>
-    <ds:schemaRef ds:uri="http://schemas.microsoft.com/sharepoint/v3/contenttype/forms"/>
-  </ds:schemaRefs>
-</ds:datastoreItem>
-</file>
-
-<file path=customXml/itemProps3.xml><?xml version="1.0" encoding="utf-8"?>
-<ds:datastoreItem xmlns:ds="http://schemas.openxmlformats.org/officeDocument/2006/customXml" ds:itemID="{DEFDB075-32D3-45D6-B446-788704F8FD25}">
-  <ds:schemaRefs>
-    <ds:schemaRef ds:uri="http://schemas.microsoft.com/office/2006/metadata/properties"/>
-    <ds:schemaRef ds:uri="http://schemas.microsoft.com/office/infopath/2007/PartnerControls"/>
-    <ds:schemaRef ds:uri="71af3243-3dd4-4a8d-8c0d-dd76da1f02a5"/>
-  </ds:schemaRefs>
-</ds:datastoreItem>
 </file>